--- a/Project02_IkeCallaghan/Presentation.pptx
+++ b/Project02_IkeCallaghan/Presentation.pptx
@@ -139,6 +139,7 @@
   <p1510:revLst>
     <p1510:client id="{33B8A3DE-B16E-4C91-AFBD-CCFF32E8AF17}" v="347" dt="2022-06-21T12:49:06.240"/>
     <p1510:client id="{5CA6156A-AA14-4980-9404-E548FB4EE2E9}" v="74" dt="2022-06-21T09:20:41.388"/>
+    <p1510:client id="{BC264DFC-7ADE-4666-822C-F86DC9576ACA}" v="110" dt="2022-06-22T08:15:17.871"/>
     <p1510:client id="{C1E96D41-3969-4749-B66F-23880CE6E76A}" v="2204" dt="2022-06-21T00:27:07.991"/>
   </p1510:revLst>
 </p1510:revInfo>
@@ -293,7 +294,7 @@
           <a:p>
             <a:fld id="{3C2B07E4-CDF9-4C88-A2F3-04620E58224D}" type="datetimeFigureOut">
               <a:rPr lang="en-US" smtClean="0"/>
-              <a:t>6/21/2022</a:t>
+              <a:t>6/22/2022</a:t>
             </a:fld>
             <a:endParaRPr lang="en-US"/>
           </a:p>
@@ -583,7 +584,7 @@
           <a:p>
             <a:fld id="{3C2B07E4-CDF9-4C88-A2F3-04620E58224D}" type="datetimeFigureOut">
               <a:rPr lang="en-US" smtClean="0"/>
-              <a:t>6/21/2022</a:t>
+              <a:t>6/22/2022</a:t>
             </a:fld>
             <a:endParaRPr lang="en-US"/>
           </a:p>
@@ -835,7 +836,7 @@
           <a:p>
             <a:fld id="{3C2B07E4-CDF9-4C88-A2F3-04620E58224D}" type="datetimeFigureOut">
               <a:rPr lang="en-US" smtClean="0"/>
-              <a:t>6/21/2022</a:t>
+              <a:t>6/22/2022</a:t>
             </a:fld>
             <a:endParaRPr lang="en-US"/>
           </a:p>
@@ -1087,7 +1088,7 @@
           <a:p>
             <a:fld id="{3C2B07E4-CDF9-4C88-A2F3-04620E58224D}" type="datetimeFigureOut">
               <a:rPr lang="en-US" smtClean="0"/>
-              <a:t>6/21/2022</a:t>
+              <a:t>6/22/2022</a:t>
             </a:fld>
             <a:endParaRPr lang="en-US"/>
           </a:p>
@@ -1416,7 +1417,7 @@
           <a:p>
             <a:fld id="{3C2B07E4-CDF9-4C88-A2F3-04620E58224D}" type="datetimeFigureOut">
               <a:rPr lang="en-US" smtClean="0"/>
-              <a:t>6/21/2022</a:t>
+              <a:t>6/22/2022</a:t>
             </a:fld>
             <a:endParaRPr lang="en-US"/>
           </a:p>
@@ -1766,7 +1767,7 @@
           <a:p>
             <a:fld id="{3C2B07E4-CDF9-4C88-A2F3-04620E58224D}" type="datetimeFigureOut">
               <a:rPr lang="en-US" smtClean="0"/>
-              <a:t>6/21/2022</a:t>
+              <a:t>6/22/2022</a:t>
             </a:fld>
             <a:endParaRPr lang="en-US"/>
           </a:p>
@@ -2278,7 +2279,7 @@
           <a:p>
             <a:fld id="{3C2B07E4-CDF9-4C88-A2F3-04620E58224D}" type="datetimeFigureOut">
               <a:rPr lang="en-US" smtClean="0"/>
-              <a:t>6/21/2022</a:t>
+              <a:t>6/22/2022</a:t>
             </a:fld>
             <a:endParaRPr lang="en-US"/>
           </a:p>
@@ -2606,7 +2607,7 @@
           <a:p>
             <a:fld id="{3C2B07E4-CDF9-4C88-A2F3-04620E58224D}" type="datetimeFigureOut">
               <a:rPr lang="en-US" smtClean="0"/>
-              <a:t>6/21/2022</a:t>
+              <a:t>6/22/2022</a:t>
             </a:fld>
             <a:endParaRPr lang="en-US"/>
           </a:p>
@@ -2719,7 +2720,7 @@
           <a:p>
             <a:fld id="{3C2B07E4-CDF9-4C88-A2F3-04620E58224D}" type="datetimeFigureOut">
               <a:rPr lang="en-US" smtClean="0"/>
-              <a:t>6/21/2022</a:t>
+              <a:t>6/22/2022</a:t>
             </a:fld>
             <a:endParaRPr lang="en-US"/>
           </a:p>
@@ -3060,7 +3061,7 @@
           <a:p>
             <a:fld id="{3C2B07E4-CDF9-4C88-A2F3-04620E58224D}" type="datetimeFigureOut">
               <a:rPr lang="en-US" smtClean="0"/>
-              <a:t>6/21/2022</a:t>
+              <a:t>6/22/2022</a:t>
             </a:fld>
             <a:endParaRPr lang="en-US"/>
           </a:p>
@@ -3360,7 +3361,7 @@
           <a:p>
             <a:fld id="{3C2B07E4-CDF9-4C88-A2F3-04620E58224D}" type="datetimeFigureOut">
               <a:rPr lang="en-US" smtClean="0"/>
-              <a:t>6/21/2022</a:t>
+              <a:t>6/22/2022</a:t>
             </a:fld>
             <a:endParaRPr lang="en-US"/>
           </a:p>
@@ -3600,7 +3601,7 @@
             <a:fld id="{3C2B07E4-CDF9-4C88-A2F3-04620E58224D}" type="datetimeFigureOut">
               <a:rPr lang="en-US" smtClean="0"/>
               <a:pPr/>
-              <a:t>6/21/2022</a:t>
+              <a:t>6/22/2022</a:t>
             </a:fld>
             <a:endParaRPr lang="en-US" dirty="0"/>
           </a:p>
@@ -5917,6 +5918,13 @@
             </a:r>
           </a:p>
           <a:p>
+            <a:pPr lvl="1"/>
+            <a:r>
+              <a:rPr lang="en-US" sz="1800" b="0" dirty="0"/>
+              <a:t>movement. </a:t>
+            </a:r>
+          </a:p>
+          <a:p>
             <a:r>
               <a:rPr lang="en-US" dirty="0"/>
               <a:t>Requires many 'window frames' to allow for light entry.</a:t>
@@ -6169,7 +6177,7 @@
         </p:spPr>
         <p:txBody>
           <a:bodyPr vert="horz" lIns="91440" tIns="45720" rIns="91440" bIns="45720" rtlCol="0" anchor="t">
-            <a:normAutofit/>
+            <a:normAutofit fontScale="92500" lnSpcReduction="10000"/>
           </a:bodyPr>
           <a:lstStyle/>
           <a:p>
@@ -6316,14 +6324,37 @@
               </a:rPr>
               <a:t>10+: "apply SPF 50+, wear protective clothing and avoid the sun between 10am and 4pm".</a:t>
             </a:r>
-            <a:endParaRPr lang="en-US" dirty="0"/>
+            <a:endParaRPr lang="en-US" b="0" dirty="0"/>
+          </a:p>
+          <a:p>
+            <a:pPr marL="560070" lvl="1" indent="-285750">
+              <a:buFont typeface="Courier New"/>
+              <a:buChar char="o"/>
+            </a:pPr>
+            <a:r>
+              <a:rPr lang="en-US" b="0" dirty="0">
+                <a:ea typeface="+mn-lt"/>
+                <a:cs typeface="+mn-lt"/>
+              </a:rPr>
+              <a:t>15+ watchdog timer called. (Highest recorded NZ UV index is 14.6 in Paraparaumu)</a:t>
+            </a:r>
+          </a:p>
+          <a:p>
+            <a:pPr marL="560070" lvl="1" indent="-285750">
+              <a:buFont typeface="Courier New"/>
+              <a:buChar char="o"/>
+            </a:pPr>
+            <a:endParaRPr lang="en-US" b="0" dirty="0">
+              <a:ea typeface="+mn-lt"/>
+              <a:cs typeface="+mn-lt"/>
+            </a:endParaRPr>
           </a:p>
           <a:p>
             <a:pPr marL="560070" lvl="1" indent="-285750">
               <a:buFont typeface="Arial"/>
               <a:buChar char="•"/>
             </a:pPr>
-            <a:endParaRPr lang="en-US" b="1" dirty="0">
+            <a:endParaRPr lang="en-US" dirty="0">
               <a:ea typeface="+mn-lt"/>
               <a:cs typeface="+mn-lt"/>
             </a:endParaRPr>
@@ -7033,9 +7064,9 @@
                 <a:ea typeface="+mn-lt"/>
                 <a:cs typeface="+mn-lt"/>
               </a:rPr>
-              <a:t> value to 0 and sets a delay for 1 hour. </a:t>
-            </a:r>
-            <a:endParaRPr lang="en-US"/>
+              <a:t> value to 0 and setting a delay for 1 hour. </a:t>
+            </a:r>
+            <a:endParaRPr lang="en-US" dirty="0"/>
           </a:p>
           <a:p>
             <a:pPr lvl="1"/>
@@ -7975,7 +8006,7 @@
           <a:p>
             <a:r>
               <a:rPr lang="en-US" dirty="0"/>
-              <a:t>API service only allows 25 packets a day for free users. Will not be a problem once fully deployed, but made it annoying to develop and test. </a:t>
+              <a:t>API service only allows 25 packets a day for free users. Will not be a problem once fully deployed but made it annoying to develop and test. </a:t>
             </a:r>
           </a:p>
           <a:p>
@@ -8241,6 +8272,12 @@
             <a:r>
               <a:rPr lang="en-US" dirty="0"/>
               <a:t>Hosting webserver for storage and display of collected data</a:t>
+            </a:r>
+          </a:p>
+          <a:p>
+            <a:r>
+              <a:rPr lang="en-US" dirty="0"/>
+              <a:t>I2C communication to allow for more analog inputs. </a:t>
             </a:r>
           </a:p>
           <a:p>

--- a/Project02_IkeCallaghan/Presentation.pptx
+++ b/Project02_IkeCallaghan/Presentation.pptx
@@ -139,7 +139,9 @@
   <p1510:revLst>
     <p1510:client id="{33B8A3DE-B16E-4C91-AFBD-CCFF32E8AF17}" v="347" dt="2022-06-21T12:49:06.240"/>
     <p1510:client id="{5CA6156A-AA14-4980-9404-E548FB4EE2E9}" v="74" dt="2022-06-21T09:20:41.388"/>
-    <p1510:client id="{BC264DFC-7ADE-4666-822C-F86DC9576ACA}" v="110" dt="2022-06-22T08:15:17.871"/>
+    <p1510:client id="{700AA661-C66D-4D24-9245-1928873DB0A8}" v="6" dt="2022-06-23T07:41:14.680"/>
+    <p1510:client id="{8DE1BFE6-75C9-4293-824F-B1C313083996}" v="3" dt="2022-06-23T07:40:37.124"/>
+    <p1510:client id="{BC264DFC-7ADE-4666-822C-F86DC9576ACA}" v="155" dt="2022-06-22T08:21:07.006"/>
     <p1510:client id="{C1E96D41-3969-4749-B66F-23880CE6E76A}" v="2204" dt="2022-06-21T00:27:07.991"/>
   </p1510:revLst>
 </p1510:revInfo>
@@ -294,7 +296,7 @@
           <a:p>
             <a:fld id="{3C2B07E4-CDF9-4C88-A2F3-04620E58224D}" type="datetimeFigureOut">
               <a:rPr lang="en-US" smtClean="0"/>
-              <a:t>6/22/2022</a:t>
+              <a:t>6/23/2022</a:t>
             </a:fld>
             <a:endParaRPr lang="en-US"/>
           </a:p>
@@ -584,7 +586,7 @@
           <a:p>
             <a:fld id="{3C2B07E4-CDF9-4C88-A2F3-04620E58224D}" type="datetimeFigureOut">
               <a:rPr lang="en-US" smtClean="0"/>
-              <a:t>6/22/2022</a:t>
+              <a:t>6/23/2022</a:t>
             </a:fld>
             <a:endParaRPr lang="en-US"/>
           </a:p>
@@ -836,7 +838,7 @@
           <a:p>
             <a:fld id="{3C2B07E4-CDF9-4C88-A2F3-04620E58224D}" type="datetimeFigureOut">
               <a:rPr lang="en-US" smtClean="0"/>
-              <a:t>6/22/2022</a:t>
+              <a:t>6/23/2022</a:t>
             </a:fld>
             <a:endParaRPr lang="en-US"/>
           </a:p>
@@ -1088,7 +1090,7 @@
           <a:p>
             <a:fld id="{3C2B07E4-CDF9-4C88-A2F3-04620E58224D}" type="datetimeFigureOut">
               <a:rPr lang="en-US" smtClean="0"/>
-              <a:t>6/22/2022</a:t>
+              <a:t>6/23/2022</a:t>
             </a:fld>
             <a:endParaRPr lang="en-US"/>
           </a:p>
@@ -1417,7 +1419,7 @@
           <a:p>
             <a:fld id="{3C2B07E4-CDF9-4C88-A2F3-04620E58224D}" type="datetimeFigureOut">
               <a:rPr lang="en-US" smtClean="0"/>
-              <a:t>6/22/2022</a:t>
+              <a:t>6/23/2022</a:t>
             </a:fld>
             <a:endParaRPr lang="en-US"/>
           </a:p>
@@ -1767,7 +1769,7 @@
           <a:p>
             <a:fld id="{3C2B07E4-CDF9-4C88-A2F3-04620E58224D}" type="datetimeFigureOut">
               <a:rPr lang="en-US" smtClean="0"/>
-              <a:t>6/22/2022</a:t>
+              <a:t>6/23/2022</a:t>
             </a:fld>
             <a:endParaRPr lang="en-US"/>
           </a:p>
@@ -2279,7 +2281,7 @@
           <a:p>
             <a:fld id="{3C2B07E4-CDF9-4C88-A2F3-04620E58224D}" type="datetimeFigureOut">
               <a:rPr lang="en-US" smtClean="0"/>
-              <a:t>6/22/2022</a:t>
+              <a:t>6/23/2022</a:t>
             </a:fld>
             <a:endParaRPr lang="en-US"/>
           </a:p>
@@ -2607,7 +2609,7 @@
           <a:p>
             <a:fld id="{3C2B07E4-CDF9-4C88-A2F3-04620E58224D}" type="datetimeFigureOut">
               <a:rPr lang="en-US" smtClean="0"/>
-              <a:t>6/22/2022</a:t>
+              <a:t>6/23/2022</a:t>
             </a:fld>
             <a:endParaRPr lang="en-US"/>
           </a:p>
@@ -2720,7 +2722,7 @@
           <a:p>
             <a:fld id="{3C2B07E4-CDF9-4C88-A2F3-04620E58224D}" type="datetimeFigureOut">
               <a:rPr lang="en-US" smtClean="0"/>
-              <a:t>6/22/2022</a:t>
+              <a:t>6/23/2022</a:t>
             </a:fld>
             <a:endParaRPr lang="en-US"/>
           </a:p>
@@ -3061,7 +3063,7 @@
           <a:p>
             <a:fld id="{3C2B07E4-CDF9-4C88-A2F3-04620E58224D}" type="datetimeFigureOut">
               <a:rPr lang="en-US" smtClean="0"/>
-              <a:t>6/22/2022</a:t>
+              <a:t>6/23/2022</a:t>
             </a:fld>
             <a:endParaRPr lang="en-US"/>
           </a:p>
@@ -3361,7 +3363,7 @@
           <a:p>
             <a:fld id="{3C2B07E4-CDF9-4C88-A2F3-04620E58224D}" type="datetimeFigureOut">
               <a:rPr lang="en-US" smtClean="0"/>
-              <a:t>6/22/2022</a:t>
+              <a:t>6/23/2022</a:t>
             </a:fld>
             <a:endParaRPr lang="en-US"/>
           </a:p>
@@ -3601,7 +3603,7 @@
             <a:fld id="{3C2B07E4-CDF9-4C88-A2F3-04620E58224D}" type="datetimeFigureOut">
               <a:rPr lang="en-US" smtClean="0"/>
               <a:pPr/>
-              <a:t>6/22/2022</a:t>
+              <a:t>6/23/2022</a:t>
             </a:fld>
             <a:endParaRPr lang="en-US" dirty="0"/>
           </a:p>
@@ -5172,10 +5174,10 @@
       </p:sp>
       <p:pic>
         <p:nvPicPr>
-          <p:cNvPr id="7" name="Picture 7" descr="Diagram&#10;&#10;Description automatically generated">
-            <a:extLst>
-              <a:ext uri="{FF2B5EF4-FFF2-40B4-BE49-F238E27FC236}">
-                <a16:creationId xmlns:a16="http://schemas.microsoft.com/office/drawing/2014/main" id="{6C4F5B57-EA6C-3BAE-D1F1-EF6134288508}"/>
+          <p:cNvPr id="2" name="Picture 3" descr="Diagram&#10;&#10;Description automatically generated">
+            <a:extLst>
+              <a:ext uri="{FF2B5EF4-FFF2-40B4-BE49-F238E27FC236}">
+                <a16:creationId xmlns:a16="http://schemas.microsoft.com/office/drawing/2014/main" id="{95C7EE53-9343-DCFE-C14D-D2A87B8E3BC0}"/>
               </a:ext>
             </a:extLst>
           </p:cNvPr>
@@ -5194,8 +5196,8 @@
         </p:blipFill>
         <p:spPr>
           <a:xfrm>
-            <a:off x="1245" y="1"/>
-            <a:ext cx="12188003" cy="6857999"/>
+            <a:off x="380" y="0"/>
+            <a:ext cx="12186316" cy="6858000"/>
           </a:xfrm>
         </p:spPr>
       </p:pic>
@@ -8235,7 +8237,7 @@
         </p:spPr>
         <p:txBody>
           <a:bodyPr vert="horz" lIns="91440" tIns="45720" rIns="91440" bIns="45720" rtlCol="0" anchor="t">
-            <a:normAutofit/>
+            <a:normAutofit fontScale="85000" lnSpcReduction="10000"/>
           </a:bodyPr>
           <a:lstStyle/>
           <a:p>
@@ -8259,6 +8261,12 @@
           <a:p>
             <a:r>
               <a:rPr lang="en-US" dirty="0"/>
+              <a:t>Redesigning 3D model to include more waterproofing features. (Latches, overhangs, etc.)</a:t>
+            </a:r>
+          </a:p>
+          <a:p>
+            <a:r>
+              <a:rPr lang="en-US" dirty="0"/>
               <a:t>Plotting data over time.</a:t>
             </a:r>
           </a:p>
@@ -8279,6 +8287,9 @@
               <a:rPr lang="en-US" dirty="0"/>
               <a:t>I2C communication to allow for more analog inputs. </a:t>
             </a:r>
+          </a:p>
+          <a:p>
+            <a:endParaRPr lang="en-US" dirty="0"/>
           </a:p>
           <a:p>
             <a:endParaRPr lang="en-US" dirty="0"/>
